--- a/Battleship.pptx
+++ b/Battleship.pptx
@@ -5079,11 +5079,7 @@
             <a:pPr algn="ctr"/>
             <a:r>
               <a:rPr lang="ru-RU" dirty="0" smtClean="0"/>
-              <a:t>Проект </a:t>
-            </a:r>
-            <a:r>
-              <a:rPr lang="ru-RU" dirty="0" smtClean="0"/>
-              <a:t>разработан</a:t>
+              <a:t>Проект разработан</a:t>
             </a:r>
             <a:r>
               <a:rPr lang="en-US" dirty="0" smtClean="0"/>
@@ -5106,7 +5102,15 @@
             </a:br>
             <a:r>
               <a:rPr lang="ru-RU" dirty="0" smtClean="0"/>
-              <a:t>                             Даниилом </a:t>
+              <a:t>                             </a:t>
+            </a:r>
+            <a:r>
+              <a:rPr lang="ru-RU" smtClean="0"/>
+              <a:t>Данилом</a:t>
+            </a:r>
+            <a:r>
+              <a:rPr lang="ru-RU" dirty="0" smtClean="0"/>
+              <a:t> </a:t>
             </a:r>
             <a:r>
               <a:rPr lang="ru-RU" dirty="0" err="1" smtClean="0"/>
@@ -5120,7 +5124,6 @@
               <a:rPr lang="ru-RU" dirty="0" smtClean="0"/>
               <a:t>                                 Михаилом Петровым</a:t>
             </a:r>
-            <a:endParaRPr lang="ru-RU" dirty="0" smtClean="0"/>
           </a:p>
           <a:p>
             <a:r>
@@ -5489,15 +5492,7 @@
             </a:r>
             <a:r>
               <a:rPr lang="ru-RU" sz="2000" dirty="0" smtClean="0"/>
-              <a:t> – случайное размещение </a:t>
-            </a:r>
-            <a:r>
-              <a:rPr lang="ru-RU" sz="2000" dirty="0" smtClean="0"/>
-              <a:t>всех </a:t>
-            </a:r>
-            <a:r>
-              <a:rPr lang="ru-RU" sz="2000" dirty="0" smtClean="0"/>
-              <a:t>кораблей</a:t>
+              <a:t> – случайное размещение всех кораблей</a:t>
             </a:r>
           </a:p>
           <a:p>
@@ -5507,19 +5502,7 @@
             </a:r>
             <a:r>
               <a:rPr lang="ru-RU" sz="2000" dirty="0" smtClean="0"/>
-              <a:t> – </a:t>
-            </a:r>
-            <a:r>
-              <a:rPr lang="ru-RU" sz="2000" dirty="0" smtClean="0"/>
-              <a:t>обработка выстрела </a:t>
-            </a:r>
-            <a:r>
-              <a:rPr lang="ru-RU" sz="2000" dirty="0" smtClean="0"/>
-              <a:t>по </a:t>
-            </a:r>
-            <a:r>
-              <a:rPr lang="ru-RU" sz="2000" dirty="0" smtClean="0"/>
-              <a:t>клетке</a:t>
+              <a:t> – обработка выстрела по клетке</a:t>
             </a:r>
           </a:p>
           <a:p>
@@ -5529,11 +5512,7 @@
             </a:r>
             <a:r>
               <a:rPr lang="ru-RU" sz="2000" dirty="0" smtClean="0"/>
-              <a:t> - </a:t>
-            </a:r>
-            <a:r>
-              <a:rPr lang="ru-RU" sz="2000" dirty="0" smtClean="0"/>
-              <a:t>попытка добить раненный корабль</a:t>
+              <a:t> - попытка добить раненный корабль</a:t>
             </a:r>
           </a:p>
           <a:p>
@@ -6080,15 +6059,7 @@
             </a:pPr>
             <a:r>
               <a:rPr lang="ru-RU" dirty="0" smtClean="0"/>
-              <a:t>Возможность </a:t>
-            </a:r>
-            <a:r>
-              <a:rPr lang="ru-RU" dirty="0" smtClean="0"/>
-              <a:t>располагать корабли по воле </a:t>
-            </a:r>
-            <a:r>
-              <a:rPr lang="ru-RU" dirty="0" smtClean="0"/>
-              <a:t>игрока</a:t>
+              <a:t>Возможность располагать корабли по воле игрока</a:t>
             </a:r>
           </a:p>
           <a:p>
@@ -6100,7 +6071,6 @@
               <a:rPr lang="ru-RU" dirty="0" smtClean="0"/>
               <a:t>Анимации</a:t>
             </a:r>
-            <a:endParaRPr lang="ru-RU" dirty="0" smtClean="0"/>
           </a:p>
           <a:p>
             <a:pPr lvl="1">
